--- a/literatures/word2vec_item2vec_summary.pptx
+++ b/literatures/word2vec_item2vec_summary.pptx
@@ -113,6 +113,11 @@
       </a:defRPr>
     </a:lvl9pPr>
   </p:defaultTextStyle>
+  <p:extLst>
+    <p:ext uri="{EFAFB233-063F-42B5-8137-9DF3F51BA10A}">
+      <p15:sldGuideLst xmlns:p15="http://schemas.microsoft.com/office/powerpoint/2012/main"/>
+    </p:ext>
+  </p:extLst>
 </p:presentation>
 </file>
 
@@ -3513,7 +3518,7 @@
               <a:rPr lang="en-CA" dirty="0">
                 <a:hlinkClick r:id="rId2"/>
               </a:rPr>
-              <a:t>http://localhost:8888/edit/Predict_Transactions/item2vec.py</a:t>
+              <a:t>https://github.com/cmcneil/board-yet/blob/master/model/item2vec.py</a:t>
             </a:r>
             <a:r>
               <a:rPr lang="en-CA" dirty="0"/>
@@ -4718,13 +4723,19 @@
           <a:p>
             <a:r>
               <a:rPr lang="en-CA" dirty="0"/>
-              <a:t>Retailors that share the same SIC code?</a:t>
+              <a:t>Retailors that share the same SIC code as a starting point?</a:t>
             </a:r>
           </a:p>
           <a:p>
             <a:r>
               <a:rPr lang="en-CA" dirty="0"/>
-              <a:t>… </a:t>
+              <a:t>The sets should be independent from the transaction data?</a:t>
+            </a:r>
+          </a:p>
+          <a:p>
+            <a:r>
+              <a:rPr lang="en-CA" dirty="0"/>
+              <a:t>Other data sources on retailor context?</a:t>
             </a:r>
           </a:p>
         </p:txBody>

--- a/literatures/word2vec_item2vec_summary.pptx
+++ b/literatures/word2vec_item2vec_summary.pptx
@@ -270,7 +270,7 @@
           <a:p>
             <a:fld id="{DD998BD4-544E-4876-AA8A-7BB7E4999FDB}" type="datetimeFigureOut">
               <a:rPr lang="en-CA" smtClean="0"/>
-              <a:t>2020-10-07</a:t>
+              <a:t>2020-10-08</a:t>
             </a:fld>
             <a:endParaRPr lang="en-CA"/>
           </a:p>
@@ -470,7 +470,7 @@
           <a:p>
             <a:fld id="{DD998BD4-544E-4876-AA8A-7BB7E4999FDB}" type="datetimeFigureOut">
               <a:rPr lang="en-CA" smtClean="0"/>
-              <a:t>2020-10-07</a:t>
+              <a:t>2020-10-08</a:t>
             </a:fld>
             <a:endParaRPr lang="en-CA"/>
           </a:p>
@@ -680,7 +680,7 @@
           <a:p>
             <a:fld id="{DD998BD4-544E-4876-AA8A-7BB7E4999FDB}" type="datetimeFigureOut">
               <a:rPr lang="en-CA" smtClean="0"/>
-              <a:t>2020-10-07</a:t>
+              <a:t>2020-10-08</a:t>
             </a:fld>
             <a:endParaRPr lang="en-CA"/>
           </a:p>
@@ -880,7 +880,7 @@
           <a:p>
             <a:fld id="{DD998BD4-544E-4876-AA8A-7BB7E4999FDB}" type="datetimeFigureOut">
               <a:rPr lang="en-CA" smtClean="0"/>
-              <a:t>2020-10-07</a:t>
+              <a:t>2020-10-08</a:t>
             </a:fld>
             <a:endParaRPr lang="en-CA"/>
           </a:p>
@@ -1156,7 +1156,7 @@
           <a:p>
             <a:fld id="{DD998BD4-544E-4876-AA8A-7BB7E4999FDB}" type="datetimeFigureOut">
               <a:rPr lang="en-CA" smtClean="0"/>
-              <a:t>2020-10-07</a:t>
+              <a:t>2020-10-08</a:t>
             </a:fld>
             <a:endParaRPr lang="en-CA"/>
           </a:p>
@@ -1424,7 +1424,7 @@
           <a:p>
             <a:fld id="{DD998BD4-544E-4876-AA8A-7BB7E4999FDB}" type="datetimeFigureOut">
               <a:rPr lang="en-CA" smtClean="0"/>
-              <a:t>2020-10-07</a:t>
+              <a:t>2020-10-08</a:t>
             </a:fld>
             <a:endParaRPr lang="en-CA"/>
           </a:p>
@@ -1839,7 +1839,7 @@
           <a:p>
             <a:fld id="{DD998BD4-544E-4876-AA8A-7BB7E4999FDB}" type="datetimeFigureOut">
               <a:rPr lang="en-CA" smtClean="0"/>
-              <a:t>2020-10-07</a:t>
+              <a:t>2020-10-08</a:t>
             </a:fld>
             <a:endParaRPr lang="en-CA"/>
           </a:p>
@@ -1981,7 +1981,7 @@
           <a:p>
             <a:fld id="{DD998BD4-544E-4876-AA8A-7BB7E4999FDB}" type="datetimeFigureOut">
               <a:rPr lang="en-CA" smtClean="0"/>
-              <a:t>2020-10-07</a:t>
+              <a:t>2020-10-08</a:t>
             </a:fld>
             <a:endParaRPr lang="en-CA"/>
           </a:p>
@@ -2094,7 +2094,7 @@
           <a:p>
             <a:fld id="{DD998BD4-544E-4876-AA8A-7BB7E4999FDB}" type="datetimeFigureOut">
               <a:rPr lang="en-CA" smtClean="0"/>
-              <a:t>2020-10-07</a:t>
+              <a:t>2020-10-08</a:t>
             </a:fld>
             <a:endParaRPr lang="en-CA"/>
           </a:p>
@@ -2407,7 +2407,7 @@
           <a:p>
             <a:fld id="{DD998BD4-544E-4876-AA8A-7BB7E4999FDB}" type="datetimeFigureOut">
               <a:rPr lang="en-CA" smtClean="0"/>
-              <a:t>2020-10-07</a:t>
+              <a:t>2020-10-08</a:t>
             </a:fld>
             <a:endParaRPr lang="en-CA"/>
           </a:p>
@@ -2696,7 +2696,7 @@
           <a:p>
             <a:fld id="{DD998BD4-544E-4876-AA8A-7BB7E4999FDB}" type="datetimeFigureOut">
               <a:rPr lang="en-CA" smtClean="0"/>
-              <a:t>2020-10-07</a:t>
+              <a:t>2020-10-08</a:t>
             </a:fld>
             <a:endParaRPr lang="en-CA"/>
           </a:p>
@@ -2939,7 +2939,7 @@
           <a:p>
             <a:fld id="{DD998BD4-544E-4876-AA8A-7BB7E4999FDB}" type="datetimeFigureOut">
               <a:rPr lang="en-CA" smtClean="0"/>
-              <a:t>2020-10-07</a:t>
+              <a:t>2020-10-08</a:t>
             </a:fld>
             <a:endParaRPr lang="en-CA"/>
           </a:p>
@@ -4732,12 +4732,6 @@
               <a:t>The sets should be independent from the transaction data?</a:t>
             </a:r>
           </a:p>
-          <a:p>
-            <a:r>
-              <a:rPr lang="en-CA" dirty="0"/>
-              <a:t>Other data sources on retailor context?</a:t>
-            </a:r>
-          </a:p>
         </p:txBody>
       </p:sp>
     </p:spTree>
